--- a/G008/G008-report.pptx
+++ b/G008/G008-report.pptx
@@ -122,6 +122,11 @@
       </a:defRPr>
     </a:lvl9pPr>
   </p:defaultTextStyle>
+  <p:extLst>
+    <p:ext uri="{EFAFB233-063F-42B5-8137-9DF3F51BA10A}">
+      <p15:sldGuideLst xmlns:p15="http://schemas.microsoft.com/office/powerpoint/2012/main"/>
+    </p:ext>
+  </p:extLst>
 </p:presentation>
 </file>
 
@@ -272,7 +277,7 @@
           <a:p>
             <a:fld id="{7FB971B3-B189-45A6-B73E-794F6C39EE4C}" type="datetimeFigureOut">
               <a:rPr lang="zh-CN" altLang="en-US" smtClean="0"/>
-              <a:t>2021/12/13</a:t>
+              <a:t>2021/12/17</a:t>
             </a:fld>
             <a:endParaRPr lang="zh-CN" altLang="en-US"/>
           </a:p>
@@ -470,7 +475,7 @@
           <a:p>
             <a:fld id="{7FB971B3-B189-45A6-B73E-794F6C39EE4C}" type="datetimeFigureOut">
               <a:rPr lang="zh-CN" altLang="en-US" smtClean="0"/>
-              <a:t>2021/12/13</a:t>
+              <a:t>2021/12/17</a:t>
             </a:fld>
             <a:endParaRPr lang="zh-CN" altLang="en-US"/>
           </a:p>
@@ -678,7 +683,7 @@
           <a:p>
             <a:fld id="{7FB971B3-B189-45A6-B73E-794F6C39EE4C}" type="datetimeFigureOut">
               <a:rPr lang="zh-CN" altLang="en-US" smtClean="0"/>
-              <a:t>2021/12/13</a:t>
+              <a:t>2021/12/17</a:t>
             </a:fld>
             <a:endParaRPr lang="zh-CN" altLang="en-US"/>
           </a:p>
@@ -876,7 +881,7 @@
           <a:p>
             <a:fld id="{7FB971B3-B189-45A6-B73E-794F6C39EE4C}" type="datetimeFigureOut">
               <a:rPr lang="zh-CN" altLang="en-US" smtClean="0"/>
-              <a:t>2021/12/13</a:t>
+              <a:t>2021/12/17</a:t>
             </a:fld>
             <a:endParaRPr lang="zh-CN" altLang="en-US"/>
           </a:p>
@@ -1151,7 +1156,7 @@
           <a:p>
             <a:fld id="{7FB971B3-B189-45A6-B73E-794F6C39EE4C}" type="datetimeFigureOut">
               <a:rPr lang="zh-CN" altLang="en-US" smtClean="0"/>
-              <a:t>2021/12/13</a:t>
+              <a:t>2021/12/17</a:t>
             </a:fld>
             <a:endParaRPr lang="zh-CN" altLang="en-US"/>
           </a:p>
@@ -1416,7 +1421,7 @@
           <a:p>
             <a:fld id="{7FB971B3-B189-45A6-B73E-794F6C39EE4C}" type="datetimeFigureOut">
               <a:rPr lang="zh-CN" altLang="en-US" smtClean="0"/>
-              <a:t>2021/12/13</a:t>
+              <a:t>2021/12/17</a:t>
             </a:fld>
             <a:endParaRPr lang="zh-CN" altLang="en-US"/>
           </a:p>
@@ -1828,7 +1833,7 @@
           <a:p>
             <a:fld id="{7FB971B3-B189-45A6-B73E-794F6C39EE4C}" type="datetimeFigureOut">
               <a:rPr lang="zh-CN" altLang="en-US" smtClean="0"/>
-              <a:t>2021/12/13</a:t>
+              <a:t>2021/12/17</a:t>
             </a:fld>
             <a:endParaRPr lang="zh-CN" altLang="en-US"/>
           </a:p>
@@ -1969,7 +1974,7 @@
           <a:p>
             <a:fld id="{7FB971B3-B189-45A6-B73E-794F6C39EE4C}" type="datetimeFigureOut">
               <a:rPr lang="zh-CN" altLang="en-US" smtClean="0"/>
-              <a:t>2021/12/13</a:t>
+              <a:t>2021/12/17</a:t>
             </a:fld>
             <a:endParaRPr lang="zh-CN" altLang="en-US"/>
           </a:p>
@@ -2082,7 +2087,7 @@
           <a:p>
             <a:fld id="{7FB971B3-B189-45A6-B73E-794F6C39EE4C}" type="datetimeFigureOut">
               <a:rPr lang="zh-CN" altLang="en-US" smtClean="0"/>
-              <a:t>2021/12/13</a:t>
+              <a:t>2021/12/17</a:t>
             </a:fld>
             <a:endParaRPr lang="zh-CN" altLang="en-US"/>
           </a:p>
@@ -2393,7 +2398,7 @@
           <a:p>
             <a:fld id="{7FB971B3-B189-45A6-B73E-794F6C39EE4C}" type="datetimeFigureOut">
               <a:rPr lang="zh-CN" altLang="en-US" smtClean="0"/>
-              <a:t>2021/12/13</a:t>
+              <a:t>2021/12/17</a:t>
             </a:fld>
             <a:endParaRPr lang="zh-CN" altLang="en-US"/>
           </a:p>
@@ -2681,7 +2686,7 @@
           <a:p>
             <a:fld id="{7FB971B3-B189-45A6-B73E-794F6C39EE4C}" type="datetimeFigureOut">
               <a:rPr lang="zh-CN" altLang="en-US" smtClean="0"/>
-              <a:t>2021/12/13</a:t>
+              <a:t>2021/12/17</a:t>
             </a:fld>
             <a:endParaRPr lang="zh-CN" altLang="en-US"/>
           </a:p>
@@ -2922,7 +2927,7 @@
           <a:p>
             <a:fld id="{7FB971B3-B189-45A6-B73E-794F6C39EE4C}" type="datetimeFigureOut">
               <a:rPr lang="zh-CN" altLang="en-US" smtClean="0"/>
-              <a:t>2021/12/13</a:t>
+              <a:t>2021/12/17</a:t>
             </a:fld>
             <a:endParaRPr lang="zh-CN" altLang="en-US"/>
           </a:p>
@@ -3621,8 +3626,8 @@
           </a:p>
         </p:txBody>
       </p:sp>
-      <mc:AlternateContent xmlns:mc="http://schemas.openxmlformats.org/markup-compatibility/2006">
-        <mc:Choice xmlns:a14="http://schemas.microsoft.com/office/drawing/2010/main" Requires="a14">
+      <mc:AlternateContent xmlns:mc="http://schemas.openxmlformats.org/markup-compatibility/2006" xmlns:a14="http://schemas.microsoft.com/office/drawing/2010/main">
+        <mc:Choice Requires="a14">
           <p:sp>
             <p:nvSpPr>
               <p:cNvPr id="5" name="文本框 4">
@@ -4169,7 +4174,7 @@
             </p:txBody>
           </p:sp>
         </mc:Choice>
-        <mc:Fallback>
+        <mc:Fallback xmlns="">
           <p:sp>
             <p:nvSpPr>
               <p:cNvPr id="5" name="文本框 4">
@@ -4780,8 +4785,8 @@
           </a:p>
         </p:txBody>
       </p:sp>
-      <mc:AlternateContent xmlns:mc="http://schemas.openxmlformats.org/markup-compatibility/2006">
-        <mc:Choice xmlns:a14="http://schemas.microsoft.com/office/drawing/2010/main" Requires="a14">
+      <mc:AlternateContent xmlns:mc="http://schemas.openxmlformats.org/markup-compatibility/2006" xmlns:a14="http://schemas.microsoft.com/office/drawing/2010/main">
+        <mc:Choice Requires="a14">
           <p:sp>
             <p:nvSpPr>
               <p:cNvPr id="5" name="文本框 4">
@@ -5090,7 +5095,7 @@
             </p:txBody>
           </p:sp>
         </mc:Choice>
-        <mc:Fallback>
+        <mc:Fallback xmlns="">
           <p:sp>
             <p:nvSpPr>
               <p:cNvPr id="5" name="文本框 4">
@@ -5376,8 +5381,8 @@
           </a:p>
         </p:txBody>
       </p:sp>
-      <mc:AlternateContent xmlns:mc="http://schemas.openxmlformats.org/markup-compatibility/2006">
-        <mc:Choice xmlns:a14="http://schemas.microsoft.com/office/drawing/2010/main" Requires="a14">
+      <mc:AlternateContent xmlns:mc="http://schemas.openxmlformats.org/markup-compatibility/2006" xmlns:a14="http://schemas.microsoft.com/office/drawing/2010/main">
+        <mc:Choice Requires="a14">
           <p:sp>
             <p:nvSpPr>
               <p:cNvPr id="8" name="文本框 7">
@@ -5563,7 +5568,7 @@
             </p:txBody>
           </p:sp>
         </mc:Choice>
-        <mc:Fallback>
+        <mc:Fallback xmlns="">
           <p:sp>
             <p:nvSpPr>
               <p:cNvPr id="8" name="文本框 7">
@@ -5755,8 +5760,8 @@
           </a:p>
         </p:txBody>
       </p:sp>
-      <mc:AlternateContent xmlns:mc="http://schemas.openxmlformats.org/markup-compatibility/2006">
-        <mc:Choice xmlns:a14="http://schemas.microsoft.com/office/drawing/2010/main" Requires="a14">
+      <mc:AlternateContent xmlns:mc="http://schemas.openxmlformats.org/markup-compatibility/2006" xmlns:a14="http://schemas.microsoft.com/office/drawing/2010/main">
+        <mc:Choice Requires="a14">
           <p:sp>
             <p:nvSpPr>
               <p:cNvPr id="7" name="文本框 6">
@@ -5976,7 +5981,7 @@
             </p:txBody>
           </p:sp>
         </mc:Choice>
-        <mc:Fallback>
+        <mc:Fallback xmlns="">
           <p:sp>
             <p:nvSpPr>
               <p:cNvPr id="7" name="文本框 6">
@@ -6773,7 +6778,7 @@
                   <a:t>的子集</a:t>
                 </a:r>
                 <a:r>
-                  <a:rPr lang="zh-CN" altLang="zh-CN" sz="2400" dirty="0">
+                  <a:rPr lang="zh-CN" altLang="zh-CN" sz="2400" b="1" dirty="0">
                     <a:solidFill>
                       <a:srgbClr val="FF0000"/>
                     </a:solidFill>
@@ -6916,8 +6921,8 @@
           </a:p>
         </p:txBody>
       </p:sp>
-      <mc:AlternateContent xmlns:mc="http://schemas.openxmlformats.org/markup-compatibility/2006">
-        <mc:Choice xmlns:a14="http://schemas.microsoft.com/office/drawing/2010/main" Requires="a14">
+      <mc:AlternateContent xmlns:mc="http://schemas.openxmlformats.org/markup-compatibility/2006" xmlns:a14="http://schemas.microsoft.com/office/drawing/2010/main">
+        <mc:Choice Requires="a14">
           <p:sp>
             <p:nvSpPr>
               <p:cNvPr id="6" name="文本框 5">
@@ -7020,7 +7025,7 @@
                   <m:oMath xmlns:m="http://schemas.openxmlformats.org/officeDocument/2006/math">
                     <m:r>
                       <a:rPr lang="en-US" altLang="zh-CN" sz="2400">
-                        <a:latin typeface="Times New Roman" panose="02020603050405020304" pitchFamily="18" charset="0"/>
+                        <a:latin typeface="Cambria Math" panose="02040503050406030204" pitchFamily="18" charset="0"/>
                         <a:ea typeface="宋体" panose="02010600030101010101" pitchFamily="2" charset="-122"/>
                         <a:cs typeface="Times New Roman" panose="02020603050405020304" pitchFamily="18" charset="0"/>
                       </a:rPr>
@@ -7041,8 +7046,8 @@
                     <m:sSub>
                       <m:sSubPr>
                         <m:ctrlPr>
-                          <a:rPr lang="zh-CN" altLang="zh-CN" sz="2400">
-                            <a:latin typeface="Times New Roman" panose="02020603050405020304" pitchFamily="18" charset="0"/>
+                          <a:rPr lang="zh-CN" altLang="zh-CN" sz="2400" i="1">
+                            <a:latin typeface="Cambria Math" panose="02040503050406030204" pitchFamily="18" charset="0"/>
                             <a:ea typeface="宋体" panose="02010600030101010101" pitchFamily="2" charset="-122"/>
                             <a:cs typeface="Times New Roman" panose="02020603050405020304" pitchFamily="18" charset="0"/>
                           </a:rPr>
@@ -7051,7 +7056,7 @@
                       <m:e>
                         <m:r>
                           <a:rPr lang="en-US" altLang="zh-CN" sz="2400">
-                            <a:latin typeface="Times New Roman" panose="02020603050405020304" pitchFamily="18" charset="0"/>
+                            <a:latin typeface="Cambria Math" panose="02040503050406030204" pitchFamily="18" charset="0"/>
                             <a:ea typeface="宋体" panose="02010600030101010101" pitchFamily="2" charset="-122"/>
                             <a:cs typeface="Times New Roman" panose="02020603050405020304" pitchFamily="18" charset="0"/>
                           </a:rPr>
@@ -7061,7 +7066,7 @@
                       <m:sub>
                         <m:r>
                           <a:rPr lang="en-US" altLang="zh-CN" sz="2400">
-                            <a:latin typeface="Times New Roman" panose="02020603050405020304" pitchFamily="18" charset="0"/>
+                            <a:latin typeface="Cambria Math" panose="02040503050406030204" pitchFamily="18" charset="0"/>
                             <a:ea typeface="宋体" panose="02010600030101010101" pitchFamily="2" charset="-122"/>
                             <a:cs typeface="Times New Roman" panose="02020603050405020304" pitchFamily="18" charset="0"/>
                           </a:rPr>
@@ -7084,8 +7089,8 @@
                     <m:sSub>
                       <m:sSubPr>
                         <m:ctrlPr>
-                          <a:rPr lang="zh-CN" altLang="zh-CN" sz="2400">
-                            <a:latin typeface="Times New Roman" panose="02020603050405020304" pitchFamily="18" charset="0"/>
+                          <a:rPr lang="zh-CN" altLang="zh-CN" sz="2400" i="1">
+                            <a:latin typeface="Cambria Math" panose="02040503050406030204" pitchFamily="18" charset="0"/>
                             <a:ea typeface="宋体" panose="02010600030101010101" pitchFamily="2" charset="-122"/>
                             <a:cs typeface="Times New Roman" panose="02020603050405020304" pitchFamily="18" charset="0"/>
                           </a:rPr>
@@ -7094,7 +7099,7 @@
                       <m:e>
                         <m:r>
                           <a:rPr lang="en-US" altLang="zh-CN" sz="2400">
-                            <a:latin typeface="Times New Roman" panose="02020603050405020304" pitchFamily="18" charset="0"/>
+                            <a:latin typeface="Cambria Math" panose="02040503050406030204" pitchFamily="18" charset="0"/>
                             <a:ea typeface="宋体" panose="02010600030101010101" pitchFamily="2" charset="-122"/>
                             <a:cs typeface="Times New Roman" panose="02020603050405020304" pitchFamily="18" charset="0"/>
                           </a:rPr>
@@ -7104,7 +7109,7 @@
                       <m:sub>
                         <m:r>
                           <a:rPr lang="en-US" altLang="zh-CN" sz="2400">
-                            <a:latin typeface="Times New Roman" panose="02020603050405020304" pitchFamily="18" charset="0"/>
+                            <a:latin typeface="Cambria Math" panose="02040503050406030204" pitchFamily="18" charset="0"/>
                             <a:ea typeface="宋体" panose="02010600030101010101" pitchFamily="2" charset="-122"/>
                             <a:cs typeface="Times New Roman" panose="02020603050405020304" pitchFamily="18" charset="0"/>
                           </a:rPr>
@@ -7127,8 +7132,8 @@
                     <m:sSub>
                       <m:sSubPr>
                         <m:ctrlPr>
-                          <a:rPr lang="zh-CN" altLang="zh-CN" sz="2400">
-                            <a:latin typeface="Times New Roman" panose="02020603050405020304" pitchFamily="18" charset="0"/>
+                          <a:rPr lang="zh-CN" altLang="zh-CN" sz="2400" i="1">
+                            <a:latin typeface="Cambria Math" panose="02040503050406030204" pitchFamily="18" charset="0"/>
                             <a:ea typeface="宋体" panose="02010600030101010101" pitchFamily="2" charset="-122"/>
                             <a:cs typeface="Times New Roman" panose="02020603050405020304" pitchFamily="18" charset="0"/>
                           </a:rPr>
@@ -7137,7 +7142,7 @@
                       <m:e>
                         <m:r>
                           <a:rPr lang="en-US" altLang="zh-CN" sz="2400">
-                            <a:latin typeface="Times New Roman" panose="02020603050405020304" pitchFamily="18" charset="0"/>
+                            <a:latin typeface="Cambria Math" panose="02040503050406030204" pitchFamily="18" charset="0"/>
                             <a:ea typeface="宋体" panose="02010600030101010101" pitchFamily="2" charset="-122"/>
                             <a:cs typeface="Times New Roman" panose="02020603050405020304" pitchFamily="18" charset="0"/>
                           </a:rPr>
@@ -7147,7 +7152,7 @@
                       <m:sub>
                         <m:r>
                           <a:rPr lang="en-US" altLang="zh-CN" sz="2400">
-                            <a:latin typeface="Times New Roman" panose="02020603050405020304" pitchFamily="18" charset="0"/>
+                            <a:latin typeface="Cambria Math" panose="02040503050406030204" pitchFamily="18" charset="0"/>
                             <a:ea typeface="宋体" panose="02010600030101010101" pitchFamily="2" charset="-122"/>
                             <a:cs typeface="Times New Roman" panose="02020603050405020304" pitchFamily="18" charset="0"/>
                           </a:rPr>
@@ -7170,8 +7175,8 @@
                     <m:sSub>
                       <m:sSubPr>
                         <m:ctrlPr>
-                          <a:rPr lang="zh-CN" altLang="zh-CN" sz="2400">
-                            <a:latin typeface="Times New Roman" panose="02020603050405020304" pitchFamily="18" charset="0"/>
+                          <a:rPr lang="zh-CN" altLang="zh-CN" sz="2400" i="1">
+                            <a:latin typeface="Cambria Math" panose="02040503050406030204" pitchFamily="18" charset="0"/>
                             <a:ea typeface="宋体" panose="02010600030101010101" pitchFamily="2" charset="-122"/>
                             <a:cs typeface="Times New Roman" panose="02020603050405020304" pitchFamily="18" charset="0"/>
                           </a:rPr>
@@ -7180,7 +7185,7 @@
                       <m:e>
                         <m:r>
                           <a:rPr lang="en-US" altLang="zh-CN" sz="2400">
-                            <a:latin typeface="Times New Roman" panose="02020603050405020304" pitchFamily="18" charset="0"/>
+                            <a:latin typeface="Cambria Math" panose="02040503050406030204" pitchFamily="18" charset="0"/>
                             <a:ea typeface="宋体" panose="02010600030101010101" pitchFamily="2" charset="-122"/>
                             <a:cs typeface="Times New Roman" panose="02020603050405020304" pitchFamily="18" charset="0"/>
                           </a:rPr>
@@ -7190,7 +7195,7 @@
                       <m:sub>
                         <m:r>
                           <a:rPr lang="en-US" altLang="zh-CN" sz="2400">
-                            <a:latin typeface="Times New Roman" panose="02020603050405020304" pitchFamily="18" charset="0"/>
+                            <a:latin typeface="Cambria Math" panose="02040503050406030204" pitchFamily="18" charset="0"/>
                             <a:ea typeface="宋体" panose="02010600030101010101" pitchFamily="2" charset="-122"/>
                             <a:cs typeface="Times New Roman" panose="02020603050405020304" pitchFamily="18" charset="0"/>
                           </a:rPr>
@@ -7217,7 +7222,7 @@
             </p:txBody>
           </p:sp>
         </mc:Choice>
-        <mc:Fallback>
+        <mc:Fallback xmlns="">
           <p:sp>
             <p:nvSpPr>
               <p:cNvPr id="6" name="文本框 5">
@@ -7715,8 +7720,8 @@
           </a:p>
         </p:txBody>
       </p:sp>
-      <mc:AlternateContent xmlns:mc="http://schemas.openxmlformats.org/markup-compatibility/2006">
-        <mc:Choice xmlns:a14="http://schemas.microsoft.com/office/drawing/2010/main" Requires="a14">
+      <mc:AlternateContent xmlns:mc="http://schemas.openxmlformats.org/markup-compatibility/2006" xmlns:a14="http://schemas.microsoft.com/office/drawing/2010/main">
+        <mc:Choice Requires="a14">
           <p:sp>
             <p:nvSpPr>
               <p:cNvPr id="6" name="文本框 5">
@@ -8831,7 +8836,7 @@
             </p:txBody>
           </p:sp>
         </mc:Choice>
-        <mc:Fallback>
+        <mc:Fallback xmlns="">
           <p:sp>
             <p:nvSpPr>
               <p:cNvPr id="6" name="文本框 5">
@@ -9381,8 +9386,8 @@
           </a:p>
         </p:txBody>
       </p:sp>
-      <mc:AlternateContent xmlns:mc="http://schemas.openxmlformats.org/markup-compatibility/2006">
-        <mc:Choice xmlns:a14="http://schemas.microsoft.com/office/drawing/2010/main" Requires="a14">
+      <mc:AlternateContent xmlns:mc="http://schemas.openxmlformats.org/markup-compatibility/2006" xmlns:a14="http://schemas.microsoft.com/office/drawing/2010/main">
+        <mc:Choice Requires="a14">
           <p:sp>
             <p:nvSpPr>
               <p:cNvPr id="8" name="文本框 7">
@@ -9432,7 +9437,9 @@
                 <a14:m>
                   <m:oMath xmlns:m="http://schemas.openxmlformats.org/officeDocument/2006/math">
                     <m:r>
-                      <a:rPr lang="en-US" altLang="zh-CN"/>
+                      <a:rPr lang="en-US" altLang="zh-CN">
+                        <a:latin typeface="Cambria Math" panose="02040503050406030204" pitchFamily="18" charset="0"/>
+                      </a:rPr>
                       <m:t>𝑖</m:t>
                     </m:r>
                   </m:oMath>
@@ -9444,7 +9451,9 @@
                 <a14:m>
                   <m:oMath xmlns:m="http://schemas.openxmlformats.org/officeDocument/2006/math">
                     <m:r>
-                      <a:rPr lang="en-US" altLang="zh-CN"/>
+                      <a:rPr lang="en-US" altLang="zh-CN">
+                        <a:latin typeface="Cambria Math" panose="02040503050406030204" pitchFamily="18" charset="0"/>
+                      </a:rPr>
                       <m:t>𝑖</m:t>
                     </m:r>
                   </m:oMath>
@@ -9466,7 +9475,7 @@
             </p:txBody>
           </p:sp>
         </mc:Choice>
-        <mc:Fallback>
+        <mc:Fallback xmlns="">
           <p:sp>
             <p:nvSpPr>
               <p:cNvPr id="8" name="文本框 7">
@@ -9627,8 +9636,8 @@
           </a:p>
         </p:txBody>
       </p:sp>
-      <mc:AlternateContent xmlns:mc="http://schemas.openxmlformats.org/markup-compatibility/2006">
-        <mc:Choice xmlns:a14="http://schemas.microsoft.com/office/drawing/2010/main" Requires="a14">
+      <mc:AlternateContent xmlns:mc="http://schemas.openxmlformats.org/markup-compatibility/2006" xmlns:a14="http://schemas.microsoft.com/office/drawing/2010/main">
+        <mc:Choice Requires="a14">
           <p:sp>
             <p:nvSpPr>
               <p:cNvPr id="5" name="文本框 4">
@@ -9997,7 +10006,7 @@
             </p:txBody>
           </p:sp>
         </mc:Choice>
-        <mc:Fallback>
+        <mc:Fallback xmlns="">
           <p:sp>
             <p:nvSpPr>
               <p:cNvPr id="5" name="文本框 4">
@@ -10115,8 +10124,8 @@
           </a:p>
         </p:txBody>
       </p:sp>
-      <mc:AlternateContent xmlns:mc="http://schemas.openxmlformats.org/markup-compatibility/2006">
-        <mc:Choice xmlns:a14="http://schemas.microsoft.com/office/drawing/2010/main" Requires="a14">
+      <mc:AlternateContent xmlns:mc="http://schemas.openxmlformats.org/markup-compatibility/2006" xmlns:a14="http://schemas.microsoft.com/office/drawing/2010/main">
+        <mc:Choice Requires="a14">
           <p:sp>
             <p:nvSpPr>
               <p:cNvPr id="6" name="文本框 5">
@@ -10179,7 +10188,9 @@
                 <a14:m>
                   <m:oMath xmlns:m="http://schemas.openxmlformats.org/officeDocument/2006/math">
                     <m:r>
-                      <a:rPr lang="en-US" altLang="zh-CN"/>
+                      <a:rPr lang="en-US" altLang="zh-CN">
+                        <a:latin typeface="Cambria Math" panose="02040503050406030204" pitchFamily="18" charset="0"/>
+                      </a:rPr>
                       <m:t>𝑐</m:t>
                     </m:r>
                   </m:oMath>
@@ -10191,7 +10202,9 @@
                 <a14:m>
                   <m:oMath xmlns:m="http://schemas.openxmlformats.org/officeDocument/2006/math">
                     <m:r>
-                      <a:rPr lang="en-US" altLang="zh-CN"/>
+                      <a:rPr lang="en-US" altLang="zh-CN">
+                        <a:latin typeface="Cambria Math" panose="02040503050406030204" pitchFamily="18" charset="0"/>
+                      </a:rPr>
                       <m:t>𝑐</m:t>
                     </m:r>
                   </m:oMath>
@@ -10239,7 +10252,9 @@
                 <a14:m>
                   <m:oMath xmlns:m="http://schemas.openxmlformats.org/officeDocument/2006/math">
                     <m:r>
-                      <a:rPr lang="en-US" altLang="zh-CN"/>
+                      <a:rPr lang="en-US" altLang="zh-CN">
+                        <a:latin typeface="Cambria Math" panose="02040503050406030204" pitchFamily="18" charset="0"/>
+                      </a:rPr>
                       <m:t>𝑐</m:t>
                     </m:r>
                   </m:oMath>
@@ -10252,7 +10267,7 @@
             </p:txBody>
           </p:sp>
         </mc:Choice>
-        <mc:Fallback>
+        <mc:Fallback xmlns="">
           <p:sp>
             <p:nvSpPr>
               <p:cNvPr id="6" name="文本框 5">
